--- a/docs/Lectures/Week07/Week07_Geotagging.pptx
+++ b/docs/Lectures/Week07/Week07_Geotagging.pptx
@@ -5,10 +5,10 @@
     <p:sldMasterId id="2147483685" r:id="rId1"/>
   </p:sldMasterIdLst>
   <p:notesMasterIdLst>
-    <p:notesMasterId r:id="rId9"/>
+    <p:notesMasterId r:id="rId11"/>
   </p:notesMasterIdLst>
   <p:handoutMasterIdLst>
-    <p:handoutMasterId r:id="rId10"/>
+    <p:handoutMasterId r:id="rId12"/>
   </p:handoutMasterIdLst>
   <p:sldIdLst>
     <p:sldId id="256" r:id="rId2"/>
@@ -16,8 +16,10 @@
     <p:sldId id="353" r:id="rId4"/>
     <p:sldId id="354" r:id="rId5"/>
     <p:sldId id="355" r:id="rId6"/>
-    <p:sldId id="356" r:id="rId7"/>
-    <p:sldId id="357" r:id="rId8"/>
+    <p:sldId id="358" r:id="rId7"/>
+    <p:sldId id="356" r:id="rId8"/>
+    <p:sldId id="357" r:id="rId9"/>
+    <p:sldId id="359" r:id="rId10"/>
   </p:sldIdLst>
   <p:sldSz cx="12192000" cy="6858000"/>
   <p:notesSz cx="6858000" cy="9144000"/>
@@ -6548,6 +6550,301 @@
           <p:cNvPr id="2" name="Title 1">
             <a:extLst>
               <a:ext uri="{FF2B5EF4-FFF2-40B4-BE49-F238E27FC236}">
+                <a16:creationId xmlns:a16="http://schemas.microsoft.com/office/drawing/2014/main" id="{EF88F4AA-8B3A-457F-1388-06E017C75FC7}"/>
+              </a:ext>
+            </a:extLst>
+          </p:cNvPr>
+          <p:cNvSpPr>
+            <a:spLocks noGrp="1"/>
+          </p:cNvSpPr>
+          <p:nvPr>
+            <p:ph type="title"/>
+          </p:nvPr>
+        </p:nvSpPr>
+        <p:spPr>
+          <a:xfrm>
+            <a:off x="581192" y="702156"/>
+            <a:ext cx="11029616" cy="605436"/>
+          </a:xfrm>
+        </p:spPr>
+        <p:txBody>
+          <a:bodyPr/>
+          <a:lstStyle/>
+          <a:p>
+            <a:r>
+              <a:rPr lang="en-US" altLang="zh-CN" dirty="0"/>
+              <a:t>Linear referencing</a:t>
+            </a:r>
+            <a:endParaRPr lang="zh-CN" altLang="en-US" dirty="0"/>
+          </a:p>
+        </p:txBody>
+      </p:sp>
+      <p:sp>
+        <p:nvSpPr>
+          <p:cNvPr id="3" name="Content Placeholder 2">
+            <a:extLst>
+              <a:ext uri="{FF2B5EF4-FFF2-40B4-BE49-F238E27FC236}">
+                <a16:creationId xmlns:a16="http://schemas.microsoft.com/office/drawing/2014/main" id="{E961FB36-322A-B3E5-9A2D-1A5C253B7CCD}"/>
+              </a:ext>
+            </a:extLst>
+          </p:cNvPr>
+          <p:cNvSpPr>
+            <a:spLocks noGrp="1"/>
+          </p:cNvSpPr>
+          <p:nvPr>
+            <p:ph idx="1"/>
+          </p:nvPr>
+        </p:nvSpPr>
+        <p:spPr>
+          <a:xfrm>
+            <a:off x="581192" y="1508760"/>
+            <a:ext cx="11029615" cy="731520"/>
+          </a:xfrm>
+        </p:spPr>
+        <p:txBody>
+          <a:bodyPr/>
+          <a:lstStyle/>
+          <a:p>
+            <a:r>
+              <a:rPr lang="en-US" altLang="zh-CN" dirty="0"/>
+              <a:t>nap points on the nearest road to each parcel when a road is located within 20 meters of the parcel.</a:t>
+            </a:r>
+            <a:endParaRPr lang="zh-CN" altLang="en-US" dirty="0"/>
+          </a:p>
+        </p:txBody>
+      </p:sp>
+      <p:sp>
+        <p:nvSpPr>
+          <p:cNvPr id="5" name="TextBox 4">
+            <a:extLst>
+              <a:ext uri="{FF2B5EF4-FFF2-40B4-BE49-F238E27FC236}">
+                <a16:creationId xmlns:a16="http://schemas.microsoft.com/office/drawing/2014/main" id="{D966C967-9C4C-95CE-D435-06A4915A3382}"/>
+              </a:ext>
+            </a:extLst>
+          </p:cNvPr>
+          <p:cNvSpPr txBox="1"/>
+          <p:nvPr/>
+        </p:nvSpPr>
+        <p:spPr>
+          <a:xfrm>
+            <a:off x="954785" y="2304708"/>
+            <a:ext cx="6094476" cy="2862322"/>
+          </a:xfrm>
+          <a:prstGeom prst="rect">
+            <a:avLst/>
+          </a:prstGeom>
+          <a:noFill/>
+        </p:spPr>
+        <p:txBody>
+          <a:bodyPr wrap="square">
+            <a:spAutoFit/>
+          </a:bodyPr>
+          <a:lstStyle/>
+          <a:p>
+            <a:r>
+              <a:rPr lang="zh-CN" altLang="en-US" dirty="0">
+                <a:solidFill>
+                  <a:srgbClr val="00B0F0"/>
+                </a:solidFill>
+              </a:rPr>
+              <a:t>SELECT DISTINCT ON (land.pid)</a:t>
+            </a:r>
+          </a:p>
+          <a:p>
+            <a:r>
+              <a:rPr lang="zh-CN" altLang="en-US" dirty="0">
+                <a:solidFill>
+                  <a:srgbClr val="00B0F0"/>
+                </a:solidFill>
+              </a:rPr>
+              <a:t>land.addr_num || ' ' || full_str AS parcel,</a:t>
+            </a:r>
+          </a:p>
+          <a:p>
+            <a:r>
+              <a:rPr lang="zh-CN" altLang="en-US" dirty="0">
+                <a:solidFill>
+                  <a:srgbClr val="00B0F0"/>
+                </a:solidFill>
+              </a:rPr>
+              <a:t>road.road_name AS road,</a:t>
+            </a:r>
+          </a:p>
+          <a:p>
+            <a:endParaRPr lang="en-US" altLang="zh-CN" dirty="0">
+              <a:solidFill>
+                <a:srgbClr val="00B0F0"/>
+              </a:solidFill>
+            </a:endParaRPr>
+          </a:p>
+          <a:p>
+            <a:endParaRPr lang="zh-CN" altLang="en-US" dirty="0">
+              <a:solidFill>
+                <a:srgbClr val="00B0F0"/>
+              </a:solidFill>
+            </a:endParaRPr>
+          </a:p>
+          <a:p>
+            <a:r>
+              <a:rPr lang="zh-CN" altLang="en-US" dirty="0">
+                <a:solidFill>
+                  <a:srgbClr val="00B0F0"/>
+                </a:solidFill>
+              </a:rPr>
+              <a:t>FROM ch09.land AS land INNER JOIN ch09.road AS road</a:t>
+            </a:r>
+            <a:endParaRPr lang="en-US" altLang="zh-CN" dirty="0">
+              <a:solidFill>
+                <a:srgbClr val="00B0F0"/>
+              </a:solidFill>
+            </a:endParaRPr>
+          </a:p>
+          <a:p>
+            <a:endParaRPr lang="zh-CN" altLang="en-US" dirty="0">
+              <a:solidFill>
+                <a:srgbClr val="00B0F0"/>
+              </a:solidFill>
+            </a:endParaRPr>
+          </a:p>
+          <a:p>
+            <a:r>
+              <a:rPr lang="zh-CN" altLang="en-US" dirty="0">
+                <a:solidFill>
+                  <a:srgbClr val="00B0F0"/>
+                </a:solidFill>
+              </a:rPr>
+              <a:t>ON</a:t>
+            </a:r>
+            <a:endParaRPr lang="en-US" altLang="zh-CN" dirty="0">
+              <a:solidFill>
+                <a:srgbClr val="00B0F0"/>
+              </a:solidFill>
+            </a:endParaRPr>
+          </a:p>
+          <a:p>
+            <a:endParaRPr lang="zh-CN" altLang="en-US" dirty="0">
+              <a:solidFill>
+                <a:srgbClr val="00B0F0"/>
+              </a:solidFill>
+            </a:endParaRPr>
+          </a:p>
+          <a:p>
+            <a:r>
+              <a:rPr lang="zh-CN" altLang="en-US" dirty="0">
+                <a:solidFill>
+                  <a:srgbClr val="00B0F0"/>
+                </a:solidFill>
+              </a:rPr>
+              <a:t>ORDER BY land.pid, ST_Distance(land.geom,road.geom);</a:t>
+            </a:r>
+          </a:p>
+        </p:txBody>
+      </p:sp>
+      <p:sp>
+        <p:nvSpPr>
+          <p:cNvPr id="7" name="TextBox 6">
+            <a:extLst>
+              <a:ext uri="{FF2B5EF4-FFF2-40B4-BE49-F238E27FC236}">
+                <a16:creationId xmlns:a16="http://schemas.microsoft.com/office/drawing/2014/main" id="{39482D42-F8BB-99D3-CEF3-1A11E3BA8DC7}"/>
+              </a:ext>
+            </a:extLst>
+          </p:cNvPr>
+          <p:cNvSpPr txBox="1"/>
+          <p:nvPr/>
+        </p:nvSpPr>
+        <p:spPr>
+          <a:xfrm>
+            <a:off x="996886" y="5656564"/>
+            <a:ext cx="6693408" cy="369332"/>
+          </a:xfrm>
+          <a:prstGeom prst="rect">
+            <a:avLst/>
+          </a:prstGeom>
+          <a:noFill/>
+        </p:spPr>
+        <p:txBody>
+          <a:bodyPr wrap="square" rtlCol="0">
+            <a:spAutoFit/>
+          </a:bodyPr>
+          <a:lstStyle/>
+          <a:p>
+            <a:r>
+              <a:rPr lang="en-US" altLang="zh-CN" dirty="0" err="1"/>
+              <a:t>ST_ClosestPoint</a:t>
+            </a:r>
+            <a:r>
+              <a:rPr lang="en-US" altLang="zh-CN" dirty="0"/>
+              <a:t>(geometry geom1, geometry geom2)</a:t>
+            </a:r>
+            <a:endParaRPr lang="zh-CN" altLang="en-US" dirty="0"/>
+          </a:p>
+        </p:txBody>
+      </p:sp>
+      <p:pic>
+        <p:nvPicPr>
+          <p:cNvPr id="9" name="Picture 8">
+            <a:extLst>
+              <a:ext uri="{FF2B5EF4-FFF2-40B4-BE49-F238E27FC236}">
+                <a16:creationId xmlns:a16="http://schemas.microsoft.com/office/drawing/2014/main" id="{7EEDAB4F-841F-E8BD-29EF-4654ABFAD05D}"/>
+              </a:ext>
+            </a:extLst>
+          </p:cNvPr>
+          <p:cNvPicPr>
+            <a:picLocks noChangeAspect="1"/>
+          </p:cNvPicPr>
+          <p:nvPr/>
+        </p:nvPicPr>
+        <p:blipFill>
+          <a:blip r:embed="rId2"/>
+          <a:stretch>
+            <a:fillRect/>
+          </a:stretch>
+        </p:blipFill>
+        <p:spPr>
+          <a:xfrm>
+            <a:off x="7690294" y="4297146"/>
+            <a:ext cx="3920513" cy="2313013"/>
+          </a:xfrm>
+          <a:prstGeom prst="rect">
+            <a:avLst/>
+          </a:prstGeom>
+        </p:spPr>
+      </p:pic>
+    </p:spTree>
+    <p:extLst>
+      <p:ext uri="{BB962C8B-B14F-4D97-AF65-F5344CB8AC3E}">
+        <p14:creationId xmlns:p14="http://schemas.microsoft.com/office/powerpoint/2010/main" val="2238895085"/>
+      </p:ext>
+    </p:extLst>
+  </p:cSld>
+  <p:clrMapOvr>
+    <a:masterClrMapping/>
+  </p:clrMapOvr>
+</p:sld>
+</file>
+
+<file path=ppt/slides/slide7.xml><?xml version="1.0" encoding="utf-8"?>
+<p:sld xmlns:a="http://schemas.openxmlformats.org/drawingml/2006/main" xmlns:r="http://schemas.openxmlformats.org/officeDocument/2006/relationships" xmlns:p="http://schemas.openxmlformats.org/presentationml/2006/main">
+  <p:cSld>
+    <p:spTree>
+      <p:nvGrpSpPr>
+        <p:cNvPr id="1" name=""/>
+        <p:cNvGrpSpPr/>
+        <p:nvPr/>
+      </p:nvGrpSpPr>
+      <p:grpSpPr>
+        <a:xfrm>
+          <a:off x="0" y="0"/>
+          <a:ext cx="0" cy="0"/>
+          <a:chOff x="0" y="0"/>
+          <a:chExt cx="0" cy="0"/>
+        </a:xfrm>
+      </p:grpSpPr>
+      <p:sp>
+        <p:nvSpPr>
+          <p:cNvPr id="2" name="Title 1">
+            <a:extLst>
+              <a:ext uri="{FF2B5EF4-FFF2-40B4-BE49-F238E27FC236}">
                 <a16:creationId xmlns:a16="http://schemas.microsoft.com/office/drawing/2014/main" id="{B3D95E82-26A0-E800-F557-DE7B6EE49E34}"/>
               </a:ext>
             </a:extLst>
@@ -6959,7 +7256,7 @@
 </p:sld>
 </file>
 
-<file path=ppt/slides/slide7.xml><?xml version="1.0" encoding="utf-8"?>
+<file path=ppt/slides/slide8.xml><?xml version="1.0" encoding="utf-8"?>
 <p:sld xmlns:a="http://schemas.openxmlformats.org/drawingml/2006/main" xmlns:r="http://schemas.openxmlformats.org/officeDocument/2006/relationships" xmlns:p="http://schemas.openxmlformats.org/presentationml/2006/main">
   <p:cSld>
     <p:spTree>
@@ -7436,6 +7733,272 @@
     <p:extLst>
       <p:ext uri="{BB962C8B-B14F-4D97-AF65-F5344CB8AC3E}">
         <p14:creationId xmlns:p14="http://schemas.microsoft.com/office/powerpoint/2010/main" val="3187759209"/>
+      </p:ext>
+    </p:extLst>
+  </p:cSld>
+  <p:clrMapOvr>
+    <a:masterClrMapping/>
+  </p:clrMapOvr>
+</p:sld>
+</file>
+
+<file path=ppt/slides/slide9.xml><?xml version="1.0" encoding="utf-8"?>
+<p:sld xmlns:a="http://schemas.openxmlformats.org/drawingml/2006/main" xmlns:r="http://schemas.openxmlformats.org/officeDocument/2006/relationships" xmlns:p="http://schemas.openxmlformats.org/presentationml/2006/main">
+  <p:cSld>
+    <p:spTree>
+      <p:nvGrpSpPr>
+        <p:cNvPr id="1" name=""/>
+        <p:cNvGrpSpPr/>
+        <p:nvPr/>
+      </p:nvGrpSpPr>
+      <p:grpSpPr>
+        <a:xfrm>
+          <a:off x="0" y="0"/>
+          <a:ext cx="0" cy="0"/>
+          <a:chOff x="0" y="0"/>
+          <a:chExt cx="0" cy="0"/>
+        </a:xfrm>
+      </p:grpSpPr>
+      <p:sp>
+        <p:nvSpPr>
+          <p:cNvPr id="2" name="Title 1">
+            <a:extLst>
+              <a:ext uri="{FF2B5EF4-FFF2-40B4-BE49-F238E27FC236}">
+                <a16:creationId xmlns:a16="http://schemas.microsoft.com/office/drawing/2014/main" id="{DF9B254F-766F-5C46-9733-76A5F0231F31}"/>
+              </a:ext>
+            </a:extLst>
+          </p:cNvPr>
+          <p:cNvSpPr>
+            <a:spLocks noGrp="1"/>
+          </p:cNvSpPr>
+          <p:nvPr>
+            <p:ph type="title"/>
+          </p:nvPr>
+        </p:nvSpPr>
+        <p:spPr>
+          <a:xfrm>
+            <a:off x="581192" y="702156"/>
+            <a:ext cx="11029616" cy="550572"/>
+          </a:xfrm>
+        </p:spPr>
+        <p:txBody>
+          <a:bodyPr/>
+          <a:lstStyle/>
+          <a:p>
+            <a:r>
+              <a:rPr lang="en-US" altLang="zh-CN" dirty="0"/>
+              <a:t>K-means and </a:t>
+            </a:r>
+            <a:r>
+              <a:rPr lang="en-US" altLang="zh-CN" dirty="0" err="1"/>
+              <a:t>dbscan</a:t>
+            </a:r>
+            <a:endParaRPr lang="zh-CN" altLang="en-US" dirty="0"/>
+          </a:p>
+        </p:txBody>
+      </p:sp>
+      <p:sp>
+        <p:nvSpPr>
+          <p:cNvPr id="3" name="Content Placeholder 2">
+            <a:extLst>
+              <a:ext uri="{FF2B5EF4-FFF2-40B4-BE49-F238E27FC236}">
+                <a16:creationId xmlns:a16="http://schemas.microsoft.com/office/drawing/2014/main" id="{4FD56664-3167-A848-286E-E43A3CB5F928}"/>
+              </a:ext>
+            </a:extLst>
+          </p:cNvPr>
+          <p:cNvSpPr>
+            <a:spLocks noGrp="1"/>
+          </p:cNvSpPr>
+          <p:nvPr>
+            <p:ph idx="1"/>
+          </p:nvPr>
+        </p:nvSpPr>
+        <p:spPr>
+          <a:xfrm>
+            <a:off x="3443265" y="2852928"/>
+            <a:ext cx="5883616" cy="3634486"/>
+          </a:xfrm>
+        </p:spPr>
+        <p:txBody>
+          <a:bodyPr/>
+          <a:lstStyle/>
+          <a:p>
+            <a:pPr marL="0" indent="0">
+              <a:buNone/>
+            </a:pPr>
+            <a:r>
+              <a:rPr lang="en-US" altLang="zh-CN" dirty="0">
+                <a:solidFill>
+                  <a:srgbClr val="00B0F0"/>
+                </a:solidFill>
+              </a:rPr>
+              <a:t>SELECT </a:t>
+            </a:r>
+            <a:r>
+              <a:rPr lang="en-US" altLang="zh-CN" dirty="0" err="1">
+                <a:solidFill>
+                  <a:srgbClr val="00B0F0"/>
+                </a:solidFill>
+              </a:rPr>
+              <a:t>land.pid</a:t>
+            </a:r>
+            <a:r>
+              <a:rPr lang="en-US" altLang="zh-CN" dirty="0">
+                <a:solidFill>
+                  <a:srgbClr val="00B0F0"/>
+                </a:solidFill>
+              </a:rPr>
+              <a:t>, </a:t>
+            </a:r>
+            <a:r>
+              <a:rPr lang="en-US" altLang="zh-CN" dirty="0" err="1">
+                <a:solidFill>
+                  <a:srgbClr val="00B0F0"/>
+                </a:solidFill>
+              </a:rPr>
+              <a:t>land.geom</a:t>
+            </a:r>
+            <a:r>
+              <a:rPr lang="en-US" altLang="zh-CN" dirty="0">
+                <a:solidFill>
+                  <a:srgbClr val="00B0F0"/>
+                </a:solidFill>
+              </a:rPr>
+              <a:t>,</a:t>
+            </a:r>
+          </a:p>
+          <a:p>
+            <a:pPr marL="0" indent="0">
+              <a:buNone/>
+            </a:pPr>
+            <a:r>
+              <a:rPr lang="en-US" altLang="zh-CN" dirty="0">
+                <a:solidFill>
+                  <a:srgbClr val="00B0F0"/>
+                </a:solidFill>
+              </a:rPr>
+              <a:t>COALESCE(</a:t>
+            </a:r>
+            <a:r>
+              <a:rPr lang="en-US" altLang="zh-CN" dirty="0" err="1">
+                <a:solidFill>
+                  <a:srgbClr val="00B0F0"/>
+                </a:solidFill>
+              </a:rPr>
+              <a:t>land.addr_num</a:t>
+            </a:r>
+            <a:r>
+              <a:rPr lang="en-US" altLang="zh-CN" dirty="0">
+                <a:solidFill>
+                  <a:srgbClr val="00B0F0"/>
+                </a:solidFill>
+              </a:rPr>
+              <a:t> || ' ','') || </a:t>
+            </a:r>
+            <a:r>
+              <a:rPr lang="en-US" altLang="zh-CN" dirty="0" err="1">
+                <a:solidFill>
+                  <a:srgbClr val="00B0F0"/>
+                </a:solidFill>
+              </a:rPr>
+              <a:t>full_str</a:t>
+            </a:r>
+            <a:r>
+              <a:rPr lang="en-US" altLang="zh-CN" dirty="0">
+                <a:solidFill>
+                  <a:srgbClr val="00B0F0"/>
+                </a:solidFill>
+              </a:rPr>
+              <a:t> AS address,</a:t>
+            </a:r>
+          </a:p>
+          <a:p>
+            <a:pPr marL="0" indent="0">
+              <a:buNone/>
+            </a:pPr>
+            <a:endParaRPr lang="en-US" altLang="zh-CN" dirty="0">
+              <a:solidFill>
+                <a:srgbClr val="00B0F0"/>
+              </a:solidFill>
+            </a:endParaRPr>
+          </a:p>
+          <a:p>
+            <a:pPr marL="0" indent="0">
+              <a:buNone/>
+            </a:pPr>
+            <a:r>
+              <a:rPr lang="en-US" altLang="zh-CN" dirty="0">
+                <a:solidFill>
+                  <a:srgbClr val="00B0F0"/>
+                </a:solidFill>
+              </a:rPr>
+              <a:t>FROM ch09.land AS land;</a:t>
+            </a:r>
+            <a:endParaRPr lang="zh-CN" altLang="en-US" dirty="0">
+              <a:solidFill>
+                <a:srgbClr val="00B0F0"/>
+              </a:solidFill>
+            </a:endParaRPr>
+          </a:p>
+        </p:txBody>
+      </p:sp>
+      <p:sp>
+        <p:nvSpPr>
+          <p:cNvPr id="4" name="TextBox 3">
+            <a:extLst>
+              <a:ext uri="{FF2B5EF4-FFF2-40B4-BE49-F238E27FC236}">
+                <a16:creationId xmlns:a16="http://schemas.microsoft.com/office/drawing/2014/main" id="{8DD84C53-631E-DBCE-0967-8F4229E50E64}"/>
+              </a:ext>
+            </a:extLst>
+          </p:cNvPr>
+          <p:cNvSpPr txBox="1"/>
+          <p:nvPr/>
+        </p:nvSpPr>
+        <p:spPr>
+          <a:xfrm>
+            <a:off x="581192" y="1453896"/>
+            <a:ext cx="9134856" cy="923330"/>
+          </a:xfrm>
+          <a:prstGeom prst="rect">
+            <a:avLst/>
+          </a:prstGeom>
+          <a:noFill/>
+        </p:spPr>
+        <p:txBody>
+          <a:bodyPr wrap="square" rtlCol="0">
+            <a:spAutoFit/>
+          </a:bodyPr>
+          <a:lstStyle/>
+          <a:p>
+            <a:r>
+              <a:rPr lang="en-US" altLang="zh-CN" dirty="0"/>
+              <a:t>Create cluster based on K means with number of cluster = 4</a:t>
+            </a:r>
+          </a:p>
+          <a:p>
+            <a:endParaRPr lang="en-US" altLang="zh-CN" dirty="0"/>
+          </a:p>
+          <a:p>
+            <a:r>
+              <a:rPr lang="en-US" altLang="zh-CN" dirty="0"/>
+              <a:t>Create cluster based on DNSCAN with  eps = 15 and </a:t>
+            </a:r>
+            <a:r>
+              <a:rPr lang="en-US" altLang="zh-CN" dirty="0" err="1"/>
+              <a:t>minpoints</a:t>
+            </a:r>
+            <a:r>
+              <a:rPr lang="en-US" altLang="zh-CN" dirty="0"/>
+              <a:t> = 2</a:t>
+            </a:r>
+            <a:endParaRPr lang="zh-CN" altLang="en-US" dirty="0"/>
+          </a:p>
+        </p:txBody>
+      </p:sp>
+    </p:spTree>
+    <p:extLst>
+      <p:ext uri="{BB962C8B-B14F-4D97-AF65-F5344CB8AC3E}">
+        <p14:creationId xmlns:p14="http://schemas.microsoft.com/office/powerpoint/2010/main" val="3232953695"/>
       </p:ext>
     </p:extLst>
   </p:cSld>
